--- a/frontend/src/assets/example_map.pptx
+++ b/frontend/src/assets/example_map.pptx
@@ -6,6 +6,8 @@
   </p:sldMasterIdLst>
   <p:sldIdLst>
     <p:sldId id="256" r:id="rId2"/>
+    <p:sldId id="257" r:id="rId3"/>
+    <p:sldId id="258" r:id="rId4"/>
   </p:sldIdLst>
   <p:sldSz cx="9144000" cy="6858000" type="screen4x3"/>
   <p:notesSz cx="6858000" cy="9144000"/>
@@ -104,6 +106,11 @@
       </a:defRPr>
     </a:lvl9pPr>
   </p:defaultTextStyle>
+  <p:extLst>
+    <p:ext uri="{EFAFB233-063F-42B5-8137-9DF3F51BA10A}">
+      <p15:sldGuideLst xmlns:p15="http://schemas.microsoft.com/office/powerpoint/2012/main"/>
+    </p:ext>
+  </p:extLst>
 </p:presentation>
 </file>
 
@@ -238,7 +245,7 @@
           <a:p>
             <a:fld id="{0AAFF4A3-FCA6-48E4-9E48-CFE8A85A6CD5}" type="datetimeFigureOut">
               <a:rPr lang="de-DE" smtClean="0"/>
-              <a:t>07.11.2022</a:t>
+              <a:t>12.11.2022</a:t>
             </a:fld>
             <a:endParaRPr lang="de-DE"/>
           </a:p>
@@ -408,7 +415,7 @@
           <a:p>
             <a:fld id="{0AAFF4A3-FCA6-48E4-9E48-CFE8A85A6CD5}" type="datetimeFigureOut">
               <a:rPr lang="de-DE" smtClean="0"/>
-              <a:t>07.11.2022</a:t>
+              <a:t>12.11.2022</a:t>
             </a:fld>
             <a:endParaRPr lang="de-DE"/>
           </a:p>
@@ -588,7 +595,7 @@
           <a:p>
             <a:fld id="{0AAFF4A3-FCA6-48E4-9E48-CFE8A85A6CD5}" type="datetimeFigureOut">
               <a:rPr lang="de-DE" smtClean="0"/>
-              <a:t>07.11.2022</a:t>
+              <a:t>12.11.2022</a:t>
             </a:fld>
             <a:endParaRPr lang="de-DE"/>
           </a:p>
@@ -758,7 +765,7 @@
           <a:p>
             <a:fld id="{0AAFF4A3-FCA6-48E4-9E48-CFE8A85A6CD5}" type="datetimeFigureOut">
               <a:rPr lang="de-DE" smtClean="0"/>
-              <a:t>07.11.2022</a:t>
+              <a:t>12.11.2022</a:t>
             </a:fld>
             <a:endParaRPr lang="de-DE"/>
           </a:p>
@@ -1002,7 +1009,7 @@
           <a:p>
             <a:fld id="{0AAFF4A3-FCA6-48E4-9E48-CFE8A85A6CD5}" type="datetimeFigureOut">
               <a:rPr lang="de-DE" smtClean="0"/>
-              <a:t>07.11.2022</a:t>
+              <a:t>12.11.2022</a:t>
             </a:fld>
             <a:endParaRPr lang="de-DE"/>
           </a:p>
@@ -1234,7 +1241,7 @@
           <a:p>
             <a:fld id="{0AAFF4A3-FCA6-48E4-9E48-CFE8A85A6CD5}" type="datetimeFigureOut">
               <a:rPr lang="de-DE" smtClean="0"/>
-              <a:t>07.11.2022</a:t>
+              <a:t>12.11.2022</a:t>
             </a:fld>
             <a:endParaRPr lang="de-DE"/>
           </a:p>
@@ -1601,7 +1608,7 @@
           <a:p>
             <a:fld id="{0AAFF4A3-FCA6-48E4-9E48-CFE8A85A6CD5}" type="datetimeFigureOut">
               <a:rPr lang="de-DE" smtClean="0"/>
-              <a:t>07.11.2022</a:t>
+              <a:t>12.11.2022</a:t>
             </a:fld>
             <a:endParaRPr lang="de-DE"/>
           </a:p>
@@ -1719,7 +1726,7 @@
           <a:p>
             <a:fld id="{0AAFF4A3-FCA6-48E4-9E48-CFE8A85A6CD5}" type="datetimeFigureOut">
               <a:rPr lang="de-DE" smtClean="0"/>
-              <a:t>07.11.2022</a:t>
+              <a:t>12.11.2022</a:t>
             </a:fld>
             <a:endParaRPr lang="de-DE"/>
           </a:p>
@@ -1814,7 +1821,7 @@
           <a:p>
             <a:fld id="{0AAFF4A3-FCA6-48E4-9E48-CFE8A85A6CD5}" type="datetimeFigureOut">
               <a:rPr lang="de-DE" smtClean="0"/>
-              <a:t>07.11.2022</a:t>
+              <a:t>12.11.2022</a:t>
             </a:fld>
             <a:endParaRPr lang="de-DE"/>
           </a:p>
@@ -2091,7 +2098,7 @@
           <a:p>
             <a:fld id="{0AAFF4A3-FCA6-48E4-9E48-CFE8A85A6CD5}" type="datetimeFigureOut">
               <a:rPr lang="de-DE" smtClean="0"/>
-              <a:t>07.11.2022</a:t>
+              <a:t>12.11.2022</a:t>
             </a:fld>
             <a:endParaRPr lang="de-DE"/>
           </a:p>
@@ -2348,7 +2355,7 @@
           <a:p>
             <a:fld id="{0AAFF4A3-FCA6-48E4-9E48-CFE8A85A6CD5}" type="datetimeFigureOut">
               <a:rPr lang="de-DE" smtClean="0"/>
-              <a:t>07.11.2022</a:t>
+              <a:t>12.11.2022</a:t>
             </a:fld>
             <a:endParaRPr lang="de-DE"/>
           </a:p>
@@ -2561,7 +2568,7 @@
           <a:p>
             <a:fld id="{0AAFF4A3-FCA6-48E4-9E48-CFE8A85A6CD5}" type="datetimeFigureOut">
               <a:rPr lang="de-DE" smtClean="0"/>
-              <a:t>07.11.2022</a:t>
+              <a:t>12.11.2022</a:t>
             </a:fld>
             <a:endParaRPr lang="de-DE"/>
           </a:p>
@@ -2955,7 +2962,7 @@
     <p:bg>
       <p:bgPr>
         <a:solidFill>
-          <a:srgbClr val="323232"/>
+          <a:srgbClr val="2E2E2E"/>
         </a:solidFill>
         <a:effectLst/>
       </p:bgPr>
@@ -3032,8 +3039,8 @@
         </p:nvSpPr>
         <p:spPr>
           <a:xfrm rot="4401342">
-            <a:off x="4497376" y="2782088"/>
-            <a:ext cx="1459695" cy="369332"/>
+            <a:off x="4562749" y="2782088"/>
+            <a:ext cx="1328954" cy="369332"/>
           </a:xfrm>
           <a:prstGeom prst="rect">
             <a:avLst/>
@@ -3047,34 +3054,13 @@
           <a:lstStyle/>
           <a:p>
             <a:r>
-              <a:rPr lang="de-DE" dirty="0" err="1">
-                <a:solidFill>
-                  <a:schemeClr val="bg1"/>
-                </a:solidFill>
-              </a:rPr>
-              <a:t>Example</a:t>
-            </a:r>
-            <a:r>
               <a:rPr lang="de-DE" dirty="0">
                 <a:solidFill>
                   <a:schemeClr val="bg1"/>
                 </a:solidFill>
               </a:rPr>
-              <a:t> </a:t>
-            </a:r>
-            <a:r>
-              <a:rPr lang="de-DE" dirty="0" err="1">
-                <a:solidFill>
-                  <a:schemeClr val="bg1"/>
-                </a:solidFill>
-              </a:rPr>
-              <a:t>Map</a:t>
-            </a:r>
-            <a:endParaRPr lang="de-DE" dirty="0">
-              <a:solidFill>
-                <a:schemeClr val="bg1"/>
-              </a:solidFill>
-            </a:endParaRPr>
+              <a:t>Erdgeschoss</a:t>
+            </a:r>
           </a:p>
         </p:txBody>
       </p:sp>
@@ -3209,6 +3195,521 @@
     <p:extLst>
       <p:ext uri="{BB962C8B-B14F-4D97-AF65-F5344CB8AC3E}">
         <p14:creationId xmlns:p14="http://schemas.microsoft.com/office/powerpoint/2010/main" val="1878829745"/>
+      </p:ext>
+    </p:extLst>
+  </p:cSld>
+  <p:clrMapOvr>
+    <a:masterClrMapping/>
+  </p:clrMapOvr>
+</p:sld>
+</file>
+
+<file path=ppt/slides/slide2.xml><?xml version="1.0" encoding="utf-8"?>
+<p:sld xmlns:a="http://schemas.openxmlformats.org/drawingml/2006/main" xmlns:r="http://schemas.openxmlformats.org/officeDocument/2006/relationships" xmlns:p="http://schemas.openxmlformats.org/presentationml/2006/main">
+  <p:cSld>
+    <p:bg>
+      <p:bgPr>
+        <a:solidFill>
+          <a:srgbClr val="2E2E2E"/>
+        </a:solidFill>
+        <a:effectLst/>
+      </p:bgPr>
+    </p:bg>
+    <p:spTree>
+      <p:nvGrpSpPr>
+        <p:cNvPr id="1" name=""/>
+        <p:cNvGrpSpPr/>
+        <p:nvPr/>
+      </p:nvGrpSpPr>
+      <p:grpSpPr>
+        <a:xfrm>
+          <a:off x="0" y="0"/>
+          <a:ext cx="0" cy="0"/>
+          <a:chOff x="0" y="0"/>
+          <a:chExt cx="0" cy="0"/>
+        </a:xfrm>
+      </p:grpSpPr>
+      <p:sp>
+        <p:nvSpPr>
+          <p:cNvPr id="4" name="Textfeld 3">
+            <a:extLst>
+              <a:ext uri="{FF2B5EF4-FFF2-40B4-BE49-F238E27FC236}">
+                <a16:creationId xmlns:a16="http://schemas.microsoft.com/office/drawing/2014/main" id="{8E86492D-E773-8BB9-D7B4-A38DE56259F8}"/>
+              </a:ext>
+            </a:extLst>
+          </p:cNvPr>
+          <p:cNvSpPr txBox="1"/>
+          <p:nvPr/>
+        </p:nvSpPr>
+        <p:spPr>
+          <a:xfrm>
+            <a:off x="2629688" y="1538714"/>
+            <a:ext cx="1459695" cy="369332"/>
+          </a:xfrm>
+          <a:prstGeom prst="rect">
+            <a:avLst/>
+          </a:prstGeom>
+          <a:noFill/>
+        </p:spPr>
+        <p:txBody>
+          <a:bodyPr wrap="none" rtlCol="0">
+            <a:spAutoFit/>
+          </a:bodyPr>
+          <a:lstStyle/>
+          <a:p>
+            <a:r>
+              <a:rPr lang="de-DE" dirty="0" err="1"/>
+              <a:t>Example</a:t>
+            </a:r>
+            <a:r>
+              <a:rPr lang="de-DE" dirty="0"/>
+              <a:t> </a:t>
+            </a:r>
+            <a:r>
+              <a:rPr lang="de-DE" dirty="0" err="1"/>
+              <a:t>Map</a:t>
+            </a:r>
+            <a:endParaRPr lang="de-DE" dirty="0"/>
+          </a:p>
+        </p:txBody>
+      </p:sp>
+      <p:sp>
+        <p:nvSpPr>
+          <p:cNvPr id="5" name="Textfeld 4">
+            <a:extLst>
+              <a:ext uri="{FF2B5EF4-FFF2-40B4-BE49-F238E27FC236}">
+                <a16:creationId xmlns:a16="http://schemas.microsoft.com/office/drawing/2014/main" id="{9D1C64EC-25AE-8A9C-CE79-7583CE4BB90E}"/>
+              </a:ext>
+            </a:extLst>
+          </p:cNvPr>
+          <p:cNvSpPr txBox="1"/>
+          <p:nvPr/>
+        </p:nvSpPr>
+        <p:spPr>
+          <a:xfrm rot="4401342">
+            <a:off x="4868472" y="2643589"/>
+            <a:ext cx="717504" cy="646331"/>
+          </a:xfrm>
+          <a:prstGeom prst="rect">
+            <a:avLst/>
+          </a:prstGeom>
+          <a:noFill/>
+        </p:spPr>
+        <p:txBody>
+          <a:bodyPr wrap="none" rtlCol="0">
+            <a:spAutoFit/>
+          </a:bodyPr>
+          <a:lstStyle/>
+          <a:p>
+            <a:r>
+              <a:rPr lang="de-DE" dirty="0">
+                <a:solidFill>
+                  <a:schemeClr val="bg1"/>
+                </a:solidFill>
+              </a:rPr>
+              <a:t>Keller</a:t>
+            </a:r>
+          </a:p>
+          <a:p>
+            <a:endParaRPr lang="de-DE" dirty="0">
+              <a:solidFill>
+                <a:schemeClr val="bg1"/>
+              </a:solidFill>
+            </a:endParaRPr>
+          </a:p>
+        </p:txBody>
+      </p:sp>
+      <p:sp>
+        <p:nvSpPr>
+          <p:cNvPr id="6" name="Rechteck 5">
+            <a:extLst>
+              <a:ext uri="{FF2B5EF4-FFF2-40B4-BE49-F238E27FC236}">
+                <a16:creationId xmlns:a16="http://schemas.microsoft.com/office/drawing/2014/main" id="{11D6BD6E-C4B0-C0F3-0133-9EFDCB66AE0C}"/>
+              </a:ext>
+            </a:extLst>
+          </p:cNvPr>
+          <p:cNvSpPr/>
+          <p:nvPr/>
+        </p:nvSpPr>
+        <p:spPr>
+          <a:xfrm>
+            <a:off x="1992761" y="5044966"/>
+            <a:ext cx="2043211" cy="861576"/>
+          </a:xfrm>
+          <a:prstGeom prst="rect">
+            <a:avLst/>
+          </a:prstGeom>
+        </p:spPr>
+        <p:style>
+          <a:lnRef idx="2">
+            <a:schemeClr val="accent1">
+              <a:shade val="50000"/>
+            </a:schemeClr>
+          </a:lnRef>
+          <a:fillRef idx="1">
+            <a:schemeClr val="accent1"/>
+          </a:fillRef>
+          <a:effectRef idx="0">
+            <a:schemeClr val="accent1"/>
+          </a:effectRef>
+          <a:fontRef idx="minor">
+            <a:schemeClr val="lt1"/>
+          </a:fontRef>
+        </p:style>
+        <p:txBody>
+          <a:bodyPr rtlCol="0" anchor="ctr"/>
+          <a:lstStyle/>
+          <a:p>
+            <a:pPr algn="ctr"/>
+            <a:endParaRPr lang="de-DE"/>
+          </a:p>
+        </p:txBody>
+      </p:sp>
+      <p:sp>
+        <p:nvSpPr>
+          <p:cNvPr id="7" name="Rechteck 6">
+            <a:extLst>
+              <a:ext uri="{FF2B5EF4-FFF2-40B4-BE49-F238E27FC236}">
+                <a16:creationId xmlns:a16="http://schemas.microsoft.com/office/drawing/2014/main" id="{4C56CAB4-9968-C51A-D518-FA1F9AF7DFE1}"/>
+              </a:ext>
+            </a:extLst>
+          </p:cNvPr>
+          <p:cNvSpPr/>
+          <p:nvPr/>
+        </p:nvSpPr>
+        <p:spPr>
+          <a:xfrm rot="5400000">
+            <a:off x="540367" y="3592573"/>
+            <a:ext cx="2043211" cy="861576"/>
+          </a:xfrm>
+          <a:prstGeom prst="rect">
+            <a:avLst/>
+          </a:prstGeom>
+        </p:spPr>
+        <p:style>
+          <a:lnRef idx="2">
+            <a:schemeClr val="accent1">
+              <a:shade val="50000"/>
+            </a:schemeClr>
+          </a:lnRef>
+          <a:fillRef idx="1">
+            <a:schemeClr val="accent1"/>
+          </a:fillRef>
+          <a:effectRef idx="0">
+            <a:schemeClr val="accent1"/>
+          </a:effectRef>
+          <a:fontRef idx="minor">
+            <a:schemeClr val="lt1"/>
+          </a:fontRef>
+        </p:style>
+        <p:txBody>
+          <a:bodyPr rtlCol="0" anchor="ctr"/>
+          <a:lstStyle/>
+          <a:p>
+            <a:pPr algn="ctr"/>
+            <a:endParaRPr lang="de-DE"/>
+          </a:p>
+        </p:txBody>
+      </p:sp>
+      <p:sp>
+        <p:nvSpPr>
+          <p:cNvPr id="8" name="Textfeld 7">
+            <a:extLst>
+              <a:ext uri="{FF2B5EF4-FFF2-40B4-BE49-F238E27FC236}">
+                <a16:creationId xmlns:a16="http://schemas.microsoft.com/office/drawing/2014/main" id="{66E5E691-2F55-80BF-B574-5E13077BCB39}"/>
+              </a:ext>
+            </a:extLst>
+          </p:cNvPr>
+          <p:cNvSpPr txBox="1"/>
+          <p:nvPr/>
+        </p:nvSpPr>
+        <p:spPr>
+          <a:xfrm rot="1374538">
+            <a:off x="8330499" y="302698"/>
+            <a:ext cx="633507" cy="369332"/>
+          </a:xfrm>
+          <a:prstGeom prst="rect">
+            <a:avLst/>
+          </a:prstGeom>
+          <a:noFill/>
+        </p:spPr>
+        <p:txBody>
+          <a:bodyPr wrap="none" rtlCol="0">
+            <a:spAutoFit/>
+          </a:bodyPr>
+          <a:lstStyle/>
+          <a:p>
+            <a:r>
+              <a:rPr lang="de-DE" dirty="0"/>
+              <a:t>Logo</a:t>
+            </a:r>
+          </a:p>
+        </p:txBody>
+      </p:sp>
+    </p:spTree>
+    <p:extLst>
+      <p:ext uri="{BB962C8B-B14F-4D97-AF65-F5344CB8AC3E}">
+        <p14:creationId xmlns:p14="http://schemas.microsoft.com/office/powerpoint/2010/main" val="3391411225"/>
+      </p:ext>
+    </p:extLst>
+  </p:cSld>
+  <p:clrMapOvr>
+    <a:masterClrMapping/>
+  </p:clrMapOvr>
+</p:sld>
+</file>
+
+<file path=ppt/slides/slide3.xml><?xml version="1.0" encoding="utf-8"?>
+<p:sld xmlns:a="http://schemas.openxmlformats.org/drawingml/2006/main" xmlns:r="http://schemas.openxmlformats.org/officeDocument/2006/relationships" xmlns:p="http://schemas.openxmlformats.org/presentationml/2006/main">
+  <p:cSld>
+    <p:bg>
+      <p:bgPr>
+        <a:solidFill>
+          <a:srgbClr val="2E2E2E"/>
+        </a:solidFill>
+        <a:effectLst/>
+      </p:bgPr>
+    </p:bg>
+    <p:spTree>
+      <p:nvGrpSpPr>
+        <p:cNvPr id="1" name=""/>
+        <p:cNvGrpSpPr/>
+        <p:nvPr/>
+      </p:nvGrpSpPr>
+      <p:grpSpPr>
+        <a:xfrm>
+          <a:off x="0" y="0"/>
+          <a:ext cx="0" cy="0"/>
+          <a:chOff x="0" y="0"/>
+          <a:chExt cx="0" cy="0"/>
+        </a:xfrm>
+      </p:grpSpPr>
+      <p:sp>
+        <p:nvSpPr>
+          <p:cNvPr id="4" name="Textfeld 3">
+            <a:extLst>
+              <a:ext uri="{FF2B5EF4-FFF2-40B4-BE49-F238E27FC236}">
+                <a16:creationId xmlns:a16="http://schemas.microsoft.com/office/drawing/2014/main" id="{8E86492D-E773-8BB9-D7B4-A38DE56259F8}"/>
+              </a:ext>
+            </a:extLst>
+          </p:cNvPr>
+          <p:cNvSpPr txBox="1"/>
+          <p:nvPr/>
+        </p:nvSpPr>
+        <p:spPr>
+          <a:xfrm>
+            <a:off x="2629688" y="1538714"/>
+            <a:ext cx="1459695" cy="369332"/>
+          </a:xfrm>
+          <a:prstGeom prst="rect">
+            <a:avLst/>
+          </a:prstGeom>
+          <a:noFill/>
+        </p:spPr>
+        <p:txBody>
+          <a:bodyPr wrap="none" rtlCol="0">
+            <a:spAutoFit/>
+          </a:bodyPr>
+          <a:lstStyle/>
+          <a:p>
+            <a:r>
+              <a:rPr lang="de-DE" dirty="0" err="1"/>
+              <a:t>Example</a:t>
+            </a:r>
+            <a:r>
+              <a:rPr lang="de-DE" dirty="0"/>
+              <a:t> </a:t>
+            </a:r>
+            <a:r>
+              <a:rPr lang="de-DE" dirty="0" err="1"/>
+              <a:t>Map</a:t>
+            </a:r>
+            <a:endParaRPr lang="de-DE" dirty="0"/>
+          </a:p>
+        </p:txBody>
+      </p:sp>
+      <p:sp>
+        <p:nvSpPr>
+          <p:cNvPr id="5" name="Textfeld 4">
+            <a:extLst>
+              <a:ext uri="{FF2B5EF4-FFF2-40B4-BE49-F238E27FC236}">
+                <a16:creationId xmlns:a16="http://schemas.microsoft.com/office/drawing/2014/main" id="{9D1C64EC-25AE-8A9C-CE79-7583CE4BB90E}"/>
+              </a:ext>
+            </a:extLst>
+          </p:cNvPr>
+          <p:cNvSpPr txBox="1"/>
+          <p:nvPr/>
+        </p:nvSpPr>
+        <p:spPr>
+          <a:xfrm rot="4401342">
+            <a:off x="4485002" y="2643589"/>
+            <a:ext cx="1484445" cy="646331"/>
+          </a:xfrm>
+          <a:prstGeom prst="rect">
+            <a:avLst/>
+          </a:prstGeom>
+          <a:noFill/>
+        </p:spPr>
+        <p:txBody>
+          <a:bodyPr wrap="none" rtlCol="0">
+            <a:spAutoFit/>
+          </a:bodyPr>
+          <a:lstStyle/>
+          <a:p>
+            <a:r>
+              <a:rPr lang="de-DE">
+                <a:solidFill>
+                  <a:schemeClr val="bg1"/>
+                </a:solidFill>
+              </a:rPr>
+              <a:t>Obergeschoss</a:t>
+            </a:r>
+            <a:endParaRPr lang="de-DE" dirty="0">
+              <a:solidFill>
+                <a:schemeClr val="bg1"/>
+              </a:solidFill>
+            </a:endParaRPr>
+          </a:p>
+          <a:p>
+            <a:endParaRPr lang="de-DE" dirty="0">
+              <a:solidFill>
+                <a:schemeClr val="bg1"/>
+              </a:solidFill>
+            </a:endParaRPr>
+          </a:p>
+        </p:txBody>
+      </p:sp>
+      <p:sp>
+        <p:nvSpPr>
+          <p:cNvPr id="6" name="Rechteck 5">
+            <a:extLst>
+              <a:ext uri="{FF2B5EF4-FFF2-40B4-BE49-F238E27FC236}">
+                <a16:creationId xmlns:a16="http://schemas.microsoft.com/office/drawing/2014/main" id="{11D6BD6E-C4B0-C0F3-0133-9EFDCB66AE0C}"/>
+              </a:ext>
+            </a:extLst>
+          </p:cNvPr>
+          <p:cNvSpPr/>
+          <p:nvPr/>
+        </p:nvSpPr>
+        <p:spPr>
+          <a:xfrm>
+            <a:off x="1992761" y="5044966"/>
+            <a:ext cx="2043211" cy="861576"/>
+          </a:xfrm>
+          <a:prstGeom prst="rect">
+            <a:avLst/>
+          </a:prstGeom>
+        </p:spPr>
+        <p:style>
+          <a:lnRef idx="2">
+            <a:schemeClr val="accent1">
+              <a:shade val="50000"/>
+            </a:schemeClr>
+          </a:lnRef>
+          <a:fillRef idx="1">
+            <a:schemeClr val="accent1"/>
+          </a:fillRef>
+          <a:effectRef idx="0">
+            <a:schemeClr val="accent1"/>
+          </a:effectRef>
+          <a:fontRef idx="minor">
+            <a:schemeClr val="lt1"/>
+          </a:fontRef>
+        </p:style>
+        <p:txBody>
+          <a:bodyPr rtlCol="0" anchor="ctr"/>
+          <a:lstStyle/>
+          <a:p>
+            <a:pPr algn="ctr"/>
+            <a:endParaRPr lang="de-DE"/>
+          </a:p>
+        </p:txBody>
+      </p:sp>
+      <p:sp>
+        <p:nvSpPr>
+          <p:cNvPr id="7" name="Rechteck 6">
+            <a:extLst>
+              <a:ext uri="{FF2B5EF4-FFF2-40B4-BE49-F238E27FC236}">
+                <a16:creationId xmlns:a16="http://schemas.microsoft.com/office/drawing/2014/main" id="{4C56CAB4-9968-C51A-D518-FA1F9AF7DFE1}"/>
+              </a:ext>
+            </a:extLst>
+          </p:cNvPr>
+          <p:cNvSpPr/>
+          <p:nvPr/>
+        </p:nvSpPr>
+        <p:spPr>
+          <a:xfrm rot="5400000">
+            <a:off x="540367" y="3592573"/>
+            <a:ext cx="2043211" cy="861576"/>
+          </a:xfrm>
+          <a:prstGeom prst="rect">
+            <a:avLst/>
+          </a:prstGeom>
+        </p:spPr>
+        <p:style>
+          <a:lnRef idx="2">
+            <a:schemeClr val="accent1">
+              <a:shade val="50000"/>
+            </a:schemeClr>
+          </a:lnRef>
+          <a:fillRef idx="1">
+            <a:schemeClr val="accent1"/>
+          </a:fillRef>
+          <a:effectRef idx="0">
+            <a:schemeClr val="accent1"/>
+          </a:effectRef>
+          <a:fontRef idx="minor">
+            <a:schemeClr val="lt1"/>
+          </a:fontRef>
+        </p:style>
+        <p:txBody>
+          <a:bodyPr rtlCol="0" anchor="ctr"/>
+          <a:lstStyle/>
+          <a:p>
+            <a:pPr algn="ctr"/>
+            <a:endParaRPr lang="de-DE"/>
+          </a:p>
+        </p:txBody>
+      </p:sp>
+      <p:sp>
+        <p:nvSpPr>
+          <p:cNvPr id="8" name="Textfeld 7">
+            <a:extLst>
+              <a:ext uri="{FF2B5EF4-FFF2-40B4-BE49-F238E27FC236}">
+                <a16:creationId xmlns:a16="http://schemas.microsoft.com/office/drawing/2014/main" id="{66E5E691-2F55-80BF-B574-5E13077BCB39}"/>
+              </a:ext>
+            </a:extLst>
+          </p:cNvPr>
+          <p:cNvSpPr txBox="1"/>
+          <p:nvPr/>
+        </p:nvSpPr>
+        <p:spPr>
+          <a:xfrm rot="1374538">
+            <a:off x="8330499" y="302698"/>
+            <a:ext cx="633507" cy="369332"/>
+          </a:xfrm>
+          <a:prstGeom prst="rect">
+            <a:avLst/>
+          </a:prstGeom>
+          <a:noFill/>
+        </p:spPr>
+        <p:txBody>
+          <a:bodyPr wrap="none" rtlCol="0">
+            <a:spAutoFit/>
+          </a:bodyPr>
+          <a:lstStyle/>
+          <a:p>
+            <a:r>
+              <a:rPr lang="de-DE" dirty="0"/>
+              <a:t>Logo</a:t>
+            </a:r>
+          </a:p>
+        </p:txBody>
+      </p:sp>
+    </p:spTree>
+    <p:extLst>
+      <p:ext uri="{BB962C8B-B14F-4D97-AF65-F5344CB8AC3E}">
+        <p14:creationId xmlns:p14="http://schemas.microsoft.com/office/powerpoint/2010/main" val="3319874652"/>
       </p:ext>
     </p:extLst>
   </p:cSld>
